--- a/PPT/Disgaea.pptx
+++ b/PPT/Disgaea.pptx
@@ -16,7 +16,6 @@
     <p:sldId id="264" r:id="rId10"/>
     <p:sldId id="267" r:id="rId11"/>
     <p:sldId id="265" r:id="rId12"/>
-    <p:sldId id="268" r:id="rId13"/>
   </p:sldIdLst>
   <p:sldSz cx="12192000" cy="6858000"/>
   <p:notesSz cx="6858000" cy="9144000"/>
@@ -4337,7 +4336,7 @@
         <p:spPr>
           <a:xfrm>
             <a:off x="278548" y="671107"/>
-            <a:ext cx="4249835" cy="2677656"/>
+            <a:ext cx="5646513" cy="3046988"/>
           </a:xfrm>
           <a:prstGeom prst="rect">
             <a:avLst/>
@@ -4360,7 +4359,7 @@
                   <a:srgbClr val="00B0F0"/>
                 </a:solidFill>
               </a:rPr>
-              <a:t>이미지 파일형식을 자유로이 선택</a:t>
+              <a:t>게임 내 모든 캐릭터는 해당 매니저에서 통합관리</a:t>
             </a:r>
             <a:endParaRPr lang="en-US" altLang="ko-KR" sz="2400" b="1" dirty="0">
               <a:solidFill>
@@ -4380,13 +4379,41 @@
             </a:endParaRPr>
           </a:p>
           <a:p>
+            <a:pPr marL="285750" indent="-285750">
+              <a:buFontTx/>
+              <a:buChar char="-"/>
+            </a:pPr>
+            <a:r>
+              <a:rPr lang="ko-KR" altLang="en-US" sz="2400" b="1" dirty="0">
+                <a:solidFill>
+                  <a:srgbClr val="00B0F0"/>
+                </a:solidFill>
+              </a:rPr>
+              <a:t>던전 </a:t>
+            </a:r>
+            <a:r>
+              <a:rPr lang="ko-KR" altLang="en-US" sz="2400" b="1" dirty="0" err="1">
+                <a:solidFill>
+                  <a:srgbClr val="00B0F0"/>
+                </a:solidFill>
+              </a:rPr>
+              <a:t>씬에서</a:t>
+            </a:r>
+            <a:r>
+              <a:rPr lang="ko-KR" altLang="en-US" sz="2400" b="1" dirty="0">
+                <a:solidFill>
+                  <a:srgbClr val="00B0F0"/>
+                </a:solidFill>
+              </a:rPr>
+              <a:t> 캐릭터의 모션은 타일에서 타일로 움직이며</a:t>
+            </a:r>
             <a:r>
               <a:rPr lang="en-US" altLang="ko-KR" sz="2400" b="1" dirty="0">
                 <a:solidFill>
                   <a:srgbClr val="00B0F0"/>
                 </a:solidFill>
               </a:rPr>
-              <a:t>-   </a:t>
+              <a:t>, </a:t>
             </a:r>
             <a:r>
               <a:rPr lang="ko-KR" altLang="en-US" sz="2400" b="1" dirty="0">
@@ -4394,15 +4421,15 @@
                   <a:srgbClr val="00B0F0"/>
                 </a:solidFill>
               </a:rPr>
-              <a:t>이미지 변형 함수는 기존 </a:t>
-            </a:r>
-            <a:r>
-              <a:rPr lang="en-US" altLang="ko-KR" sz="2400" b="1" dirty="0">
+              <a:t>타운 </a:t>
+            </a:r>
+            <a:r>
+              <a:rPr lang="ko-KR" altLang="en-US" sz="2400" b="1" dirty="0" err="1">
                 <a:solidFill>
                   <a:srgbClr val="00B0F0"/>
                 </a:solidFill>
               </a:rPr>
-              <a:t>API</a:t>
+              <a:t>씬에서는</a:t>
             </a:r>
             <a:r>
               <a:rPr lang="ko-KR" altLang="en-US" sz="2400" b="1" dirty="0">
@@ -4410,47 +4437,29 @@
                   <a:srgbClr val="00B0F0"/>
                 </a:solidFill>
               </a:rPr>
-              <a:t>보다 생소하지만</a:t>
+              <a:t> 플레이어가 자유롭게 움직이기 때문에 각각 매니저에서 해당 </a:t>
+            </a:r>
+            <a:r>
+              <a:rPr lang="ko-KR" altLang="en-US" sz="2400" b="1" dirty="0" err="1">
+                <a:solidFill>
+                  <a:srgbClr val="00B0F0"/>
+                </a:solidFill>
+              </a:rPr>
+              <a:t>씬이</a:t>
+            </a:r>
+            <a:r>
+              <a:rPr lang="ko-KR" altLang="en-US" sz="2400" b="1" dirty="0">
+                <a:solidFill>
+                  <a:srgbClr val="00B0F0"/>
+                </a:solidFill>
+              </a:rPr>
+              <a:t> 구현될 때 다르게 설정 함</a:t>
             </a:r>
             <a:endParaRPr lang="en-US" altLang="ko-KR" sz="2400" b="1" dirty="0">
               <a:solidFill>
                 <a:srgbClr val="00B0F0"/>
               </a:solidFill>
             </a:endParaRPr>
-          </a:p>
-          <a:p>
-            <a:r>
-              <a:rPr lang="ko-KR" altLang="en-US" sz="2400" b="1" dirty="0">
-                <a:solidFill>
-                  <a:srgbClr val="00B0F0"/>
-                </a:solidFill>
-              </a:rPr>
-              <a:t>    변환 자체는 </a:t>
-            </a:r>
-            <a:r>
-              <a:rPr lang="en-US" altLang="ko-KR" sz="2400" b="1" dirty="0">
-                <a:solidFill>
-                  <a:srgbClr val="00B0F0"/>
-                </a:solidFill>
-              </a:rPr>
-              <a:t>API</a:t>
-            </a:r>
-            <a:r>
-              <a:rPr lang="ko-KR" altLang="en-US" sz="2400" b="1" dirty="0">
-                <a:solidFill>
-                  <a:srgbClr val="00B0F0"/>
-                </a:solidFill>
-              </a:rPr>
-              <a:t>보다 용이</a:t>
-            </a:r>
-            <a:r>
-              <a:rPr lang="en-US" altLang="ko-KR" sz="2400" b="1" dirty="0">
-                <a:solidFill>
-                  <a:srgbClr val="00B0F0"/>
-                </a:solidFill>
-              </a:rPr>
-              <a:t>			</a:t>
-            </a:r>
           </a:p>
         </p:txBody>
       </p:sp>
@@ -5518,7 +5527,7 @@
         <p:spPr>
           <a:xfrm>
             <a:off x="7019082" y="420723"/>
-            <a:ext cx="4249835" cy="2677656"/>
+            <a:ext cx="4249835" cy="3416320"/>
           </a:xfrm>
           <a:prstGeom prst="rect">
             <a:avLst/>
@@ -5536,12 +5545,20 @@
               <a:buChar char="-"/>
             </a:pPr>
             <a:r>
+              <a:rPr lang="ko-KR" altLang="en-US" sz="2400" b="1" dirty="0" err="1">
+                <a:solidFill>
+                  <a:srgbClr val="00B0F0"/>
+                </a:solidFill>
+              </a:rPr>
+              <a:t>전투씬에서</a:t>
+            </a:r>
+            <a:r>
               <a:rPr lang="ko-KR" altLang="en-US" sz="2400" b="1" dirty="0">
                 <a:solidFill>
                   <a:srgbClr val="00B0F0"/>
                 </a:solidFill>
               </a:rPr>
-              <a:t>이미지 파일형식을 자유로이 선택</a:t>
+              <a:t> 캐릭터 좌표를 받아 도착지점을 정하면 에이스타 매니저에서 길을 찾음</a:t>
             </a:r>
             <a:endParaRPr lang="en-US" altLang="ko-KR" sz="2400" b="1" dirty="0">
               <a:solidFill>
@@ -5550,10 +5567,6 @@
             </a:endParaRPr>
           </a:p>
           <a:p>
-            <a:pPr marL="285750" indent="-285750">
-              <a:buFontTx/>
-              <a:buChar char="-"/>
-            </a:pPr>
             <a:endParaRPr lang="en-US" altLang="ko-KR" sz="2400" b="1" dirty="0">
               <a:solidFill>
                 <a:srgbClr val="00B0F0"/>
@@ -5561,68 +5574,17 @@
             </a:endParaRPr>
           </a:p>
           <a:p>
-            <a:r>
-              <a:rPr lang="en-US" altLang="ko-KR" sz="2400" b="1" dirty="0">
+            <a:pPr marL="285750" indent="-285750">
+              <a:buFontTx/>
+              <a:buChar char="-"/>
+            </a:pPr>
+            <a:r>
+              <a:rPr lang="ko-KR" altLang="en-US" sz="2400" b="1" dirty="0">
                 <a:solidFill>
                   <a:srgbClr val="00B0F0"/>
                 </a:solidFill>
               </a:rPr>
-              <a:t>-   </a:t>
-            </a:r>
-            <a:r>
-              <a:rPr lang="ko-KR" altLang="en-US" sz="2400" b="1" dirty="0">
-                <a:solidFill>
-                  <a:srgbClr val="00B0F0"/>
-                </a:solidFill>
-              </a:rPr>
-              <a:t>이미지 변형 함수는 기존 </a:t>
-            </a:r>
-            <a:r>
-              <a:rPr lang="en-US" altLang="ko-KR" sz="2400" b="1" dirty="0">
-                <a:solidFill>
-                  <a:srgbClr val="00B0F0"/>
-                </a:solidFill>
-              </a:rPr>
-              <a:t>API</a:t>
-            </a:r>
-            <a:r>
-              <a:rPr lang="ko-KR" altLang="en-US" sz="2400" b="1" dirty="0">
-                <a:solidFill>
-                  <a:srgbClr val="00B0F0"/>
-                </a:solidFill>
-              </a:rPr>
-              <a:t>보다 생소하지만</a:t>
-            </a:r>
-            <a:endParaRPr lang="en-US" altLang="ko-KR" sz="2400" b="1" dirty="0">
-              <a:solidFill>
-                <a:srgbClr val="00B0F0"/>
-              </a:solidFill>
-            </a:endParaRPr>
-          </a:p>
-          <a:p>
-            <a:r>
-              <a:rPr lang="ko-KR" altLang="en-US" sz="2400" b="1" dirty="0">
-                <a:solidFill>
-                  <a:srgbClr val="00B0F0"/>
-                </a:solidFill>
-              </a:rPr>
-              <a:t>    변환 자체는 </a:t>
-            </a:r>
-            <a:r>
-              <a:rPr lang="en-US" altLang="ko-KR" sz="2400" b="1" dirty="0">
-                <a:solidFill>
-                  <a:srgbClr val="00B0F0"/>
-                </a:solidFill>
-              </a:rPr>
-              <a:t>API</a:t>
-            </a:r>
-            <a:r>
-              <a:rPr lang="ko-KR" altLang="en-US" sz="2400" b="1" dirty="0">
-                <a:solidFill>
-                  <a:srgbClr val="00B0F0"/>
-                </a:solidFill>
-              </a:rPr>
-              <a:t>보다 용이</a:t>
+              <a:t>에이스타 매니저에서 길을 찾으면 플레이어 캐릭터에게 움직일 좌표를 넘겨줌</a:t>
             </a:r>
             <a:r>
               <a:rPr lang="en-US" altLang="ko-KR" sz="2400" b="1" dirty="0">
@@ -5639,1187 +5601,6 @@
     <p:extLst>
       <p:ext uri="{BB962C8B-B14F-4D97-AF65-F5344CB8AC3E}">
         <p14:creationId xmlns:p14="http://schemas.microsoft.com/office/powerpoint/2010/main" val="2696077473"/>
-      </p:ext>
-    </p:extLst>
-  </p:cSld>
-  <p:clrMapOvr>
-    <a:masterClrMapping/>
-  </p:clrMapOvr>
-</p:sld>
-</file>
-
-<file path=ppt/slides/slide12.xml><?xml version="1.0" encoding="utf-8"?>
-<p:sld xmlns:a="http://schemas.openxmlformats.org/drawingml/2006/main" xmlns:r="http://schemas.openxmlformats.org/officeDocument/2006/relationships" xmlns:p="http://schemas.openxmlformats.org/presentationml/2006/main">
-  <p:cSld>
-    <p:spTree>
-      <p:nvGrpSpPr>
-        <p:cNvPr id="1" name=""/>
-        <p:cNvGrpSpPr/>
-        <p:nvPr/>
-      </p:nvGrpSpPr>
-      <p:grpSpPr>
-        <a:xfrm>
-          <a:off x="0" y="0"/>
-          <a:ext cx="0" cy="0"/>
-          <a:chOff x="0" y="0"/>
-          <a:chExt cx="0" cy="0"/>
-        </a:xfrm>
-      </p:grpSpPr>
-      <p:pic>
-        <p:nvPicPr>
-          <p:cNvPr id="6" name="그림 5">
-            <a:extLst>
-              <a:ext uri="{FF2B5EF4-FFF2-40B4-BE49-F238E27FC236}">
-                <a16:creationId xmlns:a16="http://schemas.microsoft.com/office/drawing/2014/main" id="{3CEFC712-4A05-45F6-A717-2F85EBC983FD}"/>
-              </a:ext>
-            </a:extLst>
-          </p:cNvPr>
-          <p:cNvPicPr>
-            <a:picLocks noChangeAspect="1"/>
-          </p:cNvPicPr>
-          <p:nvPr/>
-        </p:nvPicPr>
-        <p:blipFill>
-          <a:blip r:embed="rId2">
-            <a:extLst>
-              <a:ext uri="{28A0092B-C50C-407E-A947-70E740481C1C}">
-                <a14:useLocalDpi xmlns:a14="http://schemas.microsoft.com/office/drawing/2010/main" val="0"/>
-              </a:ext>
-            </a:extLst>
-          </a:blip>
-          <a:stretch>
-            <a:fillRect/>
-          </a:stretch>
-        </p:blipFill>
-        <p:spPr>
-          <a:xfrm>
-            <a:off x="0" y="0"/>
-            <a:ext cx="12192000" cy="6858000"/>
-          </a:xfrm>
-          <a:prstGeom prst="rect">
-            <a:avLst/>
-          </a:prstGeom>
-        </p:spPr>
-      </p:pic>
-      <p:sp>
-        <p:nvSpPr>
-          <p:cNvPr id="12" name="직사각형 11">
-            <a:extLst>
-              <a:ext uri="{FF2B5EF4-FFF2-40B4-BE49-F238E27FC236}">
-                <a16:creationId xmlns:a16="http://schemas.microsoft.com/office/drawing/2014/main" id="{6B9FDC84-4CD2-4FBC-893E-493EBDA86ADC}"/>
-              </a:ext>
-            </a:extLst>
-          </p:cNvPr>
-          <p:cNvSpPr/>
-          <p:nvPr/>
-        </p:nvSpPr>
-        <p:spPr>
-          <a:xfrm>
-            <a:off x="0" y="-3513"/>
-            <a:ext cx="12192000" cy="6858000"/>
-          </a:xfrm>
-          <a:prstGeom prst="rect">
-            <a:avLst/>
-          </a:prstGeom>
-          <a:solidFill>
-            <a:schemeClr val="tx1">
-              <a:alpha val="65000"/>
-            </a:schemeClr>
-          </a:solidFill>
-        </p:spPr>
-        <p:style>
-          <a:lnRef idx="2">
-            <a:schemeClr val="accent1">
-              <a:shade val="50000"/>
-            </a:schemeClr>
-          </a:lnRef>
-          <a:fillRef idx="1">
-            <a:schemeClr val="accent1"/>
-          </a:fillRef>
-          <a:effectRef idx="0">
-            <a:schemeClr val="accent1"/>
-          </a:effectRef>
-          <a:fontRef idx="minor">
-            <a:schemeClr val="lt1"/>
-          </a:fontRef>
-        </p:style>
-        <p:txBody>
-          <a:bodyPr rtlCol="0" anchor="ctr"/>
-          <a:lstStyle/>
-          <a:p>
-            <a:pPr algn="ctr"/>
-            <a:endParaRPr lang="ko-KR" altLang="en-US" dirty="0"/>
-          </a:p>
-        </p:txBody>
-      </p:sp>
-      <p:sp>
-        <p:nvSpPr>
-          <p:cNvPr id="2" name="사각형: 둥근 모서리 1">
-            <a:extLst>
-              <a:ext uri="{FF2B5EF4-FFF2-40B4-BE49-F238E27FC236}">
-                <a16:creationId xmlns:a16="http://schemas.microsoft.com/office/drawing/2014/main" id="{1B0D6804-0A62-401F-B72A-6187D3A7D47C}"/>
-              </a:ext>
-            </a:extLst>
-          </p:cNvPr>
-          <p:cNvSpPr/>
-          <p:nvPr/>
-        </p:nvSpPr>
-        <p:spPr>
-          <a:xfrm>
-            <a:off x="624130" y="5350540"/>
-            <a:ext cx="2021305" cy="1106905"/>
-          </a:xfrm>
-          <a:prstGeom prst="roundRect">
-            <a:avLst>
-              <a:gd name="adj" fmla="val 21015"/>
-            </a:avLst>
-          </a:prstGeom>
-          <a:solidFill>
-            <a:schemeClr val="accent4">
-              <a:lumMod val="60000"/>
-              <a:lumOff val="40000"/>
-              <a:alpha val="56000"/>
-            </a:schemeClr>
-          </a:solidFill>
-        </p:spPr>
-        <p:style>
-          <a:lnRef idx="2">
-            <a:schemeClr val="accent1">
-              <a:shade val="50000"/>
-            </a:schemeClr>
-          </a:lnRef>
-          <a:fillRef idx="1">
-            <a:schemeClr val="accent1"/>
-          </a:fillRef>
-          <a:effectRef idx="0">
-            <a:schemeClr val="accent1"/>
-          </a:effectRef>
-          <a:fontRef idx="minor">
-            <a:schemeClr val="lt1"/>
-          </a:fontRef>
-        </p:style>
-        <p:txBody>
-          <a:bodyPr rtlCol="0" anchor="ctr"/>
-          <a:lstStyle/>
-          <a:p>
-            <a:pPr algn="ctr"/>
-            <a:r>
-              <a:rPr lang="en-US" altLang="ko-KR" b="1" dirty="0" err="1">
-                <a:solidFill>
-                  <a:schemeClr val="tx1"/>
-                </a:solidFill>
-              </a:rPr>
-              <a:t>tile.h</a:t>
-            </a:r>
-            <a:endParaRPr lang="ko-KR" altLang="en-US" b="1" dirty="0">
-              <a:solidFill>
-                <a:schemeClr val="tx1"/>
-              </a:solidFill>
-            </a:endParaRPr>
-          </a:p>
-        </p:txBody>
-      </p:sp>
-      <p:sp>
-        <p:nvSpPr>
-          <p:cNvPr id="16" name="사각형: 둥근 모서리 15">
-            <a:extLst>
-              <a:ext uri="{FF2B5EF4-FFF2-40B4-BE49-F238E27FC236}">
-                <a16:creationId xmlns:a16="http://schemas.microsoft.com/office/drawing/2014/main" id="{48FF8A73-1459-4C06-863C-8F269B041EB6}"/>
-              </a:ext>
-            </a:extLst>
-          </p:cNvPr>
-          <p:cNvSpPr/>
-          <p:nvPr/>
-        </p:nvSpPr>
-        <p:spPr>
-          <a:xfrm>
-            <a:off x="4960009" y="5350540"/>
-            <a:ext cx="2271979" cy="1106905"/>
-          </a:xfrm>
-          <a:prstGeom prst="roundRect">
-            <a:avLst>
-              <a:gd name="adj" fmla="val 21015"/>
-            </a:avLst>
-          </a:prstGeom>
-          <a:solidFill>
-            <a:schemeClr val="accent4">
-              <a:lumMod val="60000"/>
-              <a:lumOff val="40000"/>
-              <a:alpha val="56000"/>
-            </a:schemeClr>
-          </a:solidFill>
-        </p:spPr>
-        <p:style>
-          <a:lnRef idx="2">
-            <a:schemeClr val="accent1">
-              <a:shade val="50000"/>
-            </a:schemeClr>
-          </a:lnRef>
-          <a:fillRef idx="1">
-            <a:schemeClr val="accent1"/>
-          </a:fillRef>
-          <a:effectRef idx="0">
-            <a:schemeClr val="accent1"/>
-          </a:effectRef>
-          <a:fontRef idx="minor">
-            <a:schemeClr val="lt1"/>
-          </a:fontRef>
-        </p:style>
-        <p:txBody>
-          <a:bodyPr rtlCol="0" anchor="ctr"/>
-          <a:lstStyle/>
-          <a:p>
-            <a:pPr algn="ctr"/>
-            <a:r>
-              <a:rPr lang="en-US" altLang="ko-KR" b="1" dirty="0" err="1">
-                <a:solidFill>
-                  <a:schemeClr val="tx1"/>
-                </a:solidFill>
-              </a:rPr>
-              <a:t>dungeonScene</a:t>
-            </a:r>
-            <a:endParaRPr lang="en-US" altLang="ko-KR" b="1" dirty="0">
-              <a:solidFill>
-                <a:schemeClr val="tx1"/>
-              </a:solidFill>
-            </a:endParaRPr>
-          </a:p>
-        </p:txBody>
-      </p:sp>
-      <p:sp>
-        <p:nvSpPr>
-          <p:cNvPr id="25" name="사각형: 둥근 모서리 24">
-            <a:extLst>
-              <a:ext uri="{FF2B5EF4-FFF2-40B4-BE49-F238E27FC236}">
-                <a16:creationId xmlns:a16="http://schemas.microsoft.com/office/drawing/2014/main" id="{AF58DA6C-F9DC-4C20-8D89-FEAA5D0F6022}"/>
-              </a:ext>
-            </a:extLst>
-          </p:cNvPr>
-          <p:cNvSpPr/>
-          <p:nvPr/>
-        </p:nvSpPr>
-        <p:spPr>
-          <a:xfrm>
-            <a:off x="5085347" y="3688426"/>
-            <a:ext cx="2021305" cy="1106905"/>
-          </a:xfrm>
-          <a:prstGeom prst="roundRect">
-            <a:avLst>
-              <a:gd name="adj" fmla="val 21015"/>
-            </a:avLst>
-          </a:prstGeom>
-          <a:solidFill>
-            <a:schemeClr val="accent4">
-              <a:lumMod val="60000"/>
-              <a:lumOff val="40000"/>
-              <a:alpha val="56000"/>
-            </a:schemeClr>
-          </a:solidFill>
-        </p:spPr>
-        <p:style>
-          <a:lnRef idx="2">
-            <a:schemeClr val="accent1">
-              <a:shade val="50000"/>
-            </a:schemeClr>
-          </a:lnRef>
-          <a:fillRef idx="1">
-            <a:schemeClr val="accent1"/>
-          </a:fillRef>
-          <a:effectRef idx="0">
-            <a:schemeClr val="accent1"/>
-          </a:effectRef>
-          <a:fontRef idx="minor">
-            <a:schemeClr val="lt1"/>
-          </a:fontRef>
-        </p:style>
-        <p:txBody>
-          <a:bodyPr rtlCol="0" anchor="ctr"/>
-          <a:lstStyle/>
-          <a:p>
-            <a:pPr algn="ctr"/>
-            <a:r>
-              <a:rPr lang="en-US" altLang="ko-KR" b="1" dirty="0">
-                <a:solidFill>
-                  <a:schemeClr val="tx1"/>
-                </a:solidFill>
-              </a:rPr>
-              <a:t>character</a:t>
-            </a:r>
-          </a:p>
-          <a:p>
-            <a:pPr algn="ctr"/>
-            <a:r>
-              <a:rPr lang="en-US" altLang="ko-KR" b="1" dirty="0" err="1">
-                <a:solidFill>
-                  <a:schemeClr val="tx1"/>
-                </a:solidFill>
-              </a:rPr>
-              <a:t>Manager.h</a:t>
-            </a:r>
-            <a:endParaRPr lang="ko-KR" altLang="en-US" b="1" dirty="0">
-              <a:solidFill>
-                <a:schemeClr val="tx1"/>
-              </a:solidFill>
-            </a:endParaRPr>
-          </a:p>
-        </p:txBody>
-      </p:sp>
-      <p:cxnSp>
-        <p:nvCxnSpPr>
-          <p:cNvPr id="20" name="직선 화살표 연결선 19">
-            <a:extLst>
-              <a:ext uri="{FF2B5EF4-FFF2-40B4-BE49-F238E27FC236}">
-                <a16:creationId xmlns:a16="http://schemas.microsoft.com/office/drawing/2014/main" id="{23CFD023-281D-420C-A1A9-3087DD60AE54}"/>
-              </a:ext>
-            </a:extLst>
-          </p:cNvPr>
-          <p:cNvCxnSpPr>
-            <a:cxnSpLocks/>
-            <a:stCxn id="2" idx="3"/>
-            <a:endCxn id="16" idx="1"/>
-          </p:cNvCxnSpPr>
-          <p:nvPr/>
-        </p:nvCxnSpPr>
-        <p:spPr>
-          <a:xfrm>
-            <a:off x="2645435" y="5903993"/>
-            <a:ext cx="2314574" cy="0"/>
-          </a:xfrm>
-          <a:prstGeom prst="straightConnector1">
-            <a:avLst/>
-          </a:prstGeom>
-          <a:ln w="73025">
-            <a:solidFill>
-              <a:schemeClr val="accent4"/>
-            </a:solidFill>
-            <a:tailEnd type="triangle"/>
-          </a:ln>
-        </p:spPr>
-        <p:style>
-          <a:lnRef idx="1">
-            <a:schemeClr val="accent1"/>
-          </a:lnRef>
-          <a:fillRef idx="0">
-            <a:schemeClr val="accent1"/>
-          </a:fillRef>
-          <a:effectRef idx="0">
-            <a:schemeClr val="accent1"/>
-          </a:effectRef>
-          <a:fontRef idx="minor">
-            <a:schemeClr val="tx1"/>
-          </a:fontRef>
-        </p:style>
-      </p:cxnSp>
-      <p:cxnSp>
-        <p:nvCxnSpPr>
-          <p:cNvPr id="26" name="직선 화살표 연결선 25">
-            <a:extLst>
-              <a:ext uri="{FF2B5EF4-FFF2-40B4-BE49-F238E27FC236}">
-                <a16:creationId xmlns:a16="http://schemas.microsoft.com/office/drawing/2014/main" id="{629314A9-2E98-4197-8AE2-91612BB47104}"/>
-              </a:ext>
-            </a:extLst>
-          </p:cNvPr>
-          <p:cNvCxnSpPr>
-            <a:cxnSpLocks/>
-            <a:stCxn id="25" idx="2"/>
-            <a:endCxn id="16" idx="0"/>
-          </p:cNvCxnSpPr>
-          <p:nvPr/>
-        </p:nvCxnSpPr>
-        <p:spPr>
-          <a:xfrm flipH="1">
-            <a:off x="6095999" y="4795331"/>
-            <a:ext cx="1" cy="555209"/>
-          </a:xfrm>
-          <a:prstGeom prst="straightConnector1">
-            <a:avLst/>
-          </a:prstGeom>
-          <a:ln w="73025">
-            <a:solidFill>
-              <a:schemeClr val="accent4"/>
-            </a:solidFill>
-            <a:tailEnd type="triangle"/>
-          </a:ln>
-        </p:spPr>
-        <p:style>
-          <a:lnRef idx="1">
-            <a:schemeClr val="accent1"/>
-          </a:lnRef>
-          <a:fillRef idx="0">
-            <a:schemeClr val="accent1"/>
-          </a:fillRef>
-          <a:effectRef idx="0">
-            <a:schemeClr val="accent1"/>
-          </a:effectRef>
-          <a:fontRef idx="minor">
-            <a:schemeClr val="tx1"/>
-          </a:fontRef>
-        </p:style>
-      </p:cxnSp>
-      <p:cxnSp>
-        <p:nvCxnSpPr>
-          <p:cNvPr id="32" name="연결선: 꺾임 31">
-            <a:extLst>
-              <a:ext uri="{FF2B5EF4-FFF2-40B4-BE49-F238E27FC236}">
-                <a16:creationId xmlns:a16="http://schemas.microsoft.com/office/drawing/2014/main" id="{9FDAAF01-F88D-4CE8-B612-B9F3FDC21D8C}"/>
-              </a:ext>
-            </a:extLst>
-          </p:cNvPr>
-          <p:cNvCxnSpPr>
-            <a:cxnSpLocks/>
-            <a:stCxn id="28" idx="3"/>
-            <a:endCxn id="29" idx="0"/>
-          </p:cNvCxnSpPr>
-          <p:nvPr/>
-        </p:nvCxnSpPr>
-        <p:spPr>
-          <a:xfrm>
-            <a:off x="3057271" y="882814"/>
-            <a:ext cx="1010653" cy="1003130"/>
-          </a:xfrm>
-          <a:prstGeom prst="bentConnector2">
-            <a:avLst/>
-          </a:prstGeom>
-          <a:ln w="73025">
-            <a:solidFill>
-              <a:schemeClr val="accent4"/>
-            </a:solidFill>
-            <a:tailEnd type="triangle"/>
-          </a:ln>
-        </p:spPr>
-        <p:style>
-          <a:lnRef idx="1">
-            <a:schemeClr val="accent1"/>
-          </a:lnRef>
-          <a:fillRef idx="0">
-            <a:schemeClr val="accent1"/>
-          </a:fillRef>
-          <a:effectRef idx="0">
-            <a:schemeClr val="accent1"/>
-          </a:effectRef>
-          <a:fontRef idx="minor">
-            <a:schemeClr val="tx1"/>
-          </a:fontRef>
-        </p:style>
-      </p:cxnSp>
-      <p:cxnSp>
-        <p:nvCxnSpPr>
-          <p:cNvPr id="35" name="연결선: 꺾임 34">
-            <a:extLst>
-              <a:ext uri="{FF2B5EF4-FFF2-40B4-BE49-F238E27FC236}">
-                <a16:creationId xmlns:a16="http://schemas.microsoft.com/office/drawing/2014/main" id="{17B95420-AFA0-44D6-B48F-742A9DF945ED}"/>
-              </a:ext>
-            </a:extLst>
-          </p:cNvPr>
-          <p:cNvCxnSpPr>
-            <a:cxnSpLocks/>
-            <a:stCxn id="30" idx="1"/>
-            <a:endCxn id="31" idx="0"/>
-          </p:cNvCxnSpPr>
-          <p:nvPr/>
-        </p:nvCxnSpPr>
-        <p:spPr>
-          <a:xfrm rot="10800000" flipV="1">
-            <a:off x="8123815" y="882812"/>
-            <a:ext cx="1010652" cy="1006891"/>
-          </a:xfrm>
-          <a:prstGeom prst="bentConnector2">
-            <a:avLst/>
-          </a:prstGeom>
-          <a:ln w="73025">
-            <a:solidFill>
-              <a:schemeClr val="accent4"/>
-            </a:solidFill>
-            <a:tailEnd type="triangle"/>
-          </a:ln>
-        </p:spPr>
-        <p:style>
-          <a:lnRef idx="1">
-            <a:schemeClr val="accent1"/>
-          </a:lnRef>
-          <a:fillRef idx="0">
-            <a:schemeClr val="accent1"/>
-          </a:fillRef>
-          <a:effectRef idx="0">
-            <a:schemeClr val="accent1"/>
-          </a:effectRef>
-          <a:fontRef idx="minor">
-            <a:schemeClr val="tx1"/>
-          </a:fontRef>
-        </p:style>
-      </p:cxnSp>
-      <p:cxnSp>
-        <p:nvCxnSpPr>
-          <p:cNvPr id="38" name="연결선: 꺾임 37">
-            <a:extLst>
-              <a:ext uri="{FF2B5EF4-FFF2-40B4-BE49-F238E27FC236}">
-                <a16:creationId xmlns:a16="http://schemas.microsoft.com/office/drawing/2014/main" id="{06F95D50-1AE9-4227-8320-B16A4836BAAB}"/>
-              </a:ext>
-            </a:extLst>
-          </p:cNvPr>
-          <p:cNvCxnSpPr>
-            <a:cxnSpLocks/>
-            <a:stCxn id="29" idx="3"/>
-            <a:endCxn id="25" idx="0"/>
-          </p:cNvCxnSpPr>
-          <p:nvPr/>
-        </p:nvCxnSpPr>
-        <p:spPr>
-          <a:xfrm>
-            <a:off x="5078576" y="2439397"/>
-            <a:ext cx="1017424" cy="1249029"/>
-          </a:xfrm>
-          <a:prstGeom prst="bentConnector2">
-            <a:avLst/>
-          </a:prstGeom>
-          <a:ln w="73025">
-            <a:solidFill>
-              <a:schemeClr val="accent4"/>
-            </a:solidFill>
-            <a:tailEnd type="triangle"/>
-          </a:ln>
-        </p:spPr>
-        <p:style>
-          <a:lnRef idx="1">
-            <a:schemeClr val="accent1"/>
-          </a:lnRef>
-          <a:fillRef idx="0">
-            <a:schemeClr val="accent1"/>
-          </a:fillRef>
-          <a:effectRef idx="0">
-            <a:schemeClr val="accent1"/>
-          </a:effectRef>
-          <a:fontRef idx="minor">
-            <a:schemeClr val="tx1"/>
-          </a:fontRef>
-        </p:style>
-      </p:cxnSp>
-      <p:cxnSp>
-        <p:nvCxnSpPr>
-          <p:cNvPr id="41" name="연결선: 꺾임 40">
-            <a:extLst>
-              <a:ext uri="{FF2B5EF4-FFF2-40B4-BE49-F238E27FC236}">
-                <a16:creationId xmlns:a16="http://schemas.microsoft.com/office/drawing/2014/main" id="{2B518475-DF20-4F03-9BD7-58E696F9F89A}"/>
-              </a:ext>
-            </a:extLst>
-          </p:cNvPr>
-          <p:cNvCxnSpPr>
-            <a:cxnSpLocks/>
-            <a:stCxn id="31" idx="1"/>
-            <a:endCxn id="25" idx="0"/>
-          </p:cNvCxnSpPr>
-          <p:nvPr/>
-        </p:nvCxnSpPr>
-        <p:spPr>
-          <a:xfrm rot="10800000" flipV="1">
-            <a:off x="6096000" y="2443156"/>
-            <a:ext cx="1017162" cy="1245269"/>
-          </a:xfrm>
-          <a:prstGeom prst="bentConnector2">
-            <a:avLst/>
-          </a:prstGeom>
-          <a:ln w="73025">
-            <a:solidFill>
-              <a:schemeClr val="accent4"/>
-            </a:solidFill>
-            <a:tailEnd type="triangle"/>
-          </a:ln>
-        </p:spPr>
-        <p:style>
-          <a:lnRef idx="1">
-            <a:schemeClr val="accent1"/>
-          </a:lnRef>
-          <a:fillRef idx="0">
-            <a:schemeClr val="accent1"/>
-          </a:fillRef>
-          <a:effectRef idx="0">
-            <a:schemeClr val="accent1"/>
-          </a:effectRef>
-          <a:fontRef idx="minor">
-            <a:schemeClr val="tx1"/>
-          </a:fontRef>
-        </p:style>
-      </p:cxnSp>
-      <p:sp>
-        <p:nvSpPr>
-          <p:cNvPr id="28" name="사각형: 둥근 모서리 27">
-            <a:extLst>
-              <a:ext uri="{FF2B5EF4-FFF2-40B4-BE49-F238E27FC236}">
-                <a16:creationId xmlns:a16="http://schemas.microsoft.com/office/drawing/2014/main" id="{855B0AA8-D114-427C-90BE-995133D5BDDA}"/>
-              </a:ext>
-            </a:extLst>
-          </p:cNvPr>
-          <p:cNvSpPr/>
-          <p:nvPr/>
-        </p:nvSpPr>
-        <p:spPr>
-          <a:xfrm>
-            <a:off x="1035966" y="329361"/>
-            <a:ext cx="2021305" cy="1106905"/>
-          </a:xfrm>
-          <a:prstGeom prst="roundRect">
-            <a:avLst>
-              <a:gd name="adj" fmla="val 21015"/>
-            </a:avLst>
-          </a:prstGeom>
-          <a:solidFill>
-            <a:schemeClr val="accent4">
-              <a:lumMod val="60000"/>
-              <a:lumOff val="40000"/>
-              <a:alpha val="56000"/>
-            </a:schemeClr>
-          </a:solidFill>
-        </p:spPr>
-        <p:style>
-          <a:lnRef idx="2">
-            <a:schemeClr val="accent1">
-              <a:shade val="50000"/>
-            </a:schemeClr>
-          </a:lnRef>
-          <a:fillRef idx="1">
-            <a:schemeClr val="accent1"/>
-          </a:fillRef>
-          <a:effectRef idx="0">
-            <a:schemeClr val="accent1"/>
-          </a:effectRef>
-          <a:fontRef idx="minor">
-            <a:schemeClr val="lt1"/>
-          </a:fontRef>
-        </p:style>
-        <p:txBody>
-          <a:bodyPr rtlCol="0" anchor="ctr"/>
-          <a:lstStyle/>
-          <a:p>
-            <a:pPr algn="ctr"/>
-            <a:r>
-              <a:rPr lang="en-US" altLang="ko-KR" b="1" dirty="0" err="1">
-                <a:solidFill>
-                  <a:schemeClr val="tx1"/>
-                </a:solidFill>
-              </a:rPr>
-              <a:t>player.h</a:t>
-            </a:r>
-            <a:endParaRPr lang="ko-KR" altLang="en-US" b="1" dirty="0">
-              <a:solidFill>
-                <a:schemeClr val="tx1"/>
-              </a:solidFill>
-            </a:endParaRPr>
-          </a:p>
-        </p:txBody>
-      </p:sp>
-      <p:sp>
-        <p:nvSpPr>
-          <p:cNvPr id="29" name="사각형: 둥근 모서리 28">
-            <a:extLst>
-              <a:ext uri="{FF2B5EF4-FFF2-40B4-BE49-F238E27FC236}">
-                <a16:creationId xmlns:a16="http://schemas.microsoft.com/office/drawing/2014/main" id="{76D762DF-EC9F-480C-900C-109F337A6F72}"/>
-              </a:ext>
-            </a:extLst>
-          </p:cNvPr>
-          <p:cNvSpPr/>
-          <p:nvPr/>
-        </p:nvSpPr>
-        <p:spPr>
-          <a:xfrm>
-            <a:off x="3057271" y="1885944"/>
-            <a:ext cx="2021305" cy="1106905"/>
-          </a:xfrm>
-          <a:prstGeom prst="roundRect">
-            <a:avLst>
-              <a:gd name="adj" fmla="val 21015"/>
-            </a:avLst>
-          </a:prstGeom>
-          <a:solidFill>
-            <a:schemeClr val="accent4">
-              <a:lumMod val="60000"/>
-              <a:lumOff val="40000"/>
-              <a:alpha val="56000"/>
-            </a:schemeClr>
-          </a:solidFill>
-        </p:spPr>
-        <p:style>
-          <a:lnRef idx="2">
-            <a:schemeClr val="accent1">
-              <a:shade val="50000"/>
-            </a:schemeClr>
-          </a:lnRef>
-          <a:fillRef idx="1">
-            <a:schemeClr val="accent1"/>
-          </a:fillRef>
-          <a:effectRef idx="0">
-            <a:schemeClr val="accent1"/>
-          </a:effectRef>
-          <a:fontRef idx="minor">
-            <a:schemeClr val="lt1"/>
-          </a:fontRef>
-        </p:style>
-        <p:txBody>
-          <a:bodyPr rtlCol="0" anchor="ctr"/>
-          <a:lstStyle/>
-          <a:p>
-            <a:pPr algn="ctr"/>
-            <a:r>
-              <a:rPr lang="en-US" altLang="ko-KR" b="1" dirty="0" err="1">
-                <a:solidFill>
-                  <a:schemeClr val="tx1"/>
-                </a:solidFill>
-              </a:rPr>
-              <a:t>adell.h</a:t>
-            </a:r>
-            <a:endParaRPr lang="en-US" altLang="ko-KR" b="1" dirty="0">
-              <a:solidFill>
-                <a:schemeClr val="tx1"/>
-              </a:solidFill>
-            </a:endParaRPr>
-          </a:p>
-          <a:p>
-            <a:pPr algn="ctr"/>
-            <a:r>
-              <a:rPr lang="en-US" altLang="ko-KR" b="1" dirty="0" err="1">
-                <a:solidFill>
-                  <a:schemeClr val="tx1"/>
-                </a:solidFill>
-              </a:rPr>
-              <a:t>cleric.h</a:t>
-            </a:r>
-            <a:endParaRPr lang="en-US" altLang="ko-KR" b="1" dirty="0">
-              <a:solidFill>
-                <a:schemeClr val="tx1"/>
-              </a:solidFill>
-            </a:endParaRPr>
-          </a:p>
-          <a:p>
-            <a:pPr algn="ctr"/>
-            <a:r>
-              <a:rPr lang="en-US" altLang="ko-KR" b="1" dirty="0">
-                <a:solidFill>
-                  <a:schemeClr val="tx1"/>
-                </a:solidFill>
-              </a:rPr>
-              <a:t>.</a:t>
-            </a:r>
-          </a:p>
-          <a:p>
-            <a:pPr algn="ctr"/>
-            <a:r>
-              <a:rPr lang="en-US" altLang="ko-KR" b="1" dirty="0">
-                <a:solidFill>
-                  <a:schemeClr val="tx1"/>
-                </a:solidFill>
-              </a:rPr>
-              <a:t>.</a:t>
-            </a:r>
-            <a:endParaRPr lang="ko-KR" altLang="en-US" b="1" dirty="0">
-              <a:solidFill>
-                <a:schemeClr val="tx1"/>
-              </a:solidFill>
-            </a:endParaRPr>
-          </a:p>
-        </p:txBody>
-      </p:sp>
-      <p:sp>
-        <p:nvSpPr>
-          <p:cNvPr id="49" name="직사각형 48">
-            <a:extLst>
-              <a:ext uri="{FF2B5EF4-FFF2-40B4-BE49-F238E27FC236}">
-                <a16:creationId xmlns:a16="http://schemas.microsoft.com/office/drawing/2014/main" id="{31CE036B-44B9-4DF9-BB02-B44A032B5732}"/>
-              </a:ext>
-            </a:extLst>
-          </p:cNvPr>
-          <p:cNvSpPr/>
-          <p:nvPr/>
-        </p:nvSpPr>
-        <p:spPr>
-          <a:xfrm>
-            <a:off x="0" y="3513"/>
-            <a:ext cx="12192000" cy="6858000"/>
-          </a:xfrm>
-          <a:prstGeom prst="rect">
-            <a:avLst/>
-          </a:prstGeom>
-          <a:solidFill>
-            <a:schemeClr val="tx1">
-              <a:alpha val="65000"/>
-            </a:schemeClr>
-          </a:solidFill>
-        </p:spPr>
-        <p:style>
-          <a:lnRef idx="2">
-            <a:schemeClr val="accent1">
-              <a:shade val="50000"/>
-            </a:schemeClr>
-          </a:lnRef>
-          <a:fillRef idx="1">
-            <a:schemeClr val="accent1"/>
-          </a:fillRef>
-          <a:effectRef idx="0">
-            <a:schemeClr val="accent1"/>
-          </a:effectRef>
-          <a:fontRef idx="minor">
-            <a:schemeClr val="lt1"/>
-          </a:fontRef>
-        </p:style>
-        <p:txBody>
-          <a:bodyPr rtlCol="0" anchor="ctr"/>
-          <a:lstStyle/>
-          <a:p>
-            <a:pPr algn="ctr"/>
-            <a:endParaRPr lang="ko-KR" altLang="en-US" dirty="0"/>
-          </a:p>
-        </p:txBody>
-      </p:sp>
-      <p:sp>
-        <p:nvSpPr>
-          <p:cNvPr id="14" name="TextBox 13">
-            <a:extLst>
-              <a:ext uri="{FF2B5EF4-FFF2-40B4-BE49-F238E27FC236}">
-                <a16:creationId xmlns:a16="http://schemas.microsoft.com/office/drawing/2014/main" id="{626DA7FD-B560-4400-A6EE-E77C4E21CF5F}"/>
-              </a:ext>
-            </a:extLst>
-          </p:cNvPr>
-          <p:cNvSpPr txBox="1"/>
-          <p:nvPr/>
-        </p:nvSpPr>
-        <p:spPr>
-          <a:xfrm>
-            <a:off x="7916779" y="5823283"/>
-            <a:ext cx="2719137" cy="707886"/>
-          </a:xfrm>
-          <a:prstGeom prst="rect">
-            <a:avLst/>
-          </a:prstGeom>
-          <a:noFill/>
-        </p:spPr>
-        <p:txBody>
-          <a:bodyPr wrap="square" rtlCol="0">
-            <a:spAutoFit/>
-          </a:bodyPr>
-          <a:lstStyle/>
-          <a:p>
-            <a:r>
-              <a:rPr lang="ko-KR" altLang="en-US" sz="4000" b="1" dirty="0">
-                <a:solidFill>
-                  <a:srgbClr val="FFFF00"/>
-                </a:solidFill>
-              </a:rPr>
-              <a:t>기본 설계</a:t>
-            </a:r>
-          </a:p>
-        </p:txBody>
-      </p:sp>
-      <p:pic>
-        <p:nvPicPr>
-          <p:cNvPr id="9" name="그림 8">
-            <a:extLst>
-              <a:ext uri="{FF2B5EF4-FFF2-40B4-BE49-F238E27FC236}">
-                <a16:creationId xmlns:a16="http://schemas.microsoft.com/office/drawing/2014/main" id="{32CAF750-0847-46B8-B8B7-3844D01F1768}"/>
-              </a:ext>
-            </a:extLst>
-          </p:cNvPr>
-          <p:cNvPicPr>
-            <a:picLocks noChangeAspect="1"/>
-          </p:cNvPicPr>
-          <p:nvPr/>
-        </p:nvPicPr>
-        <p:blipFill>
-          <a:blip r:embed="rId3">
-            <a:extLst>
-              <a:ext uri="{28A0092B-C50C-407E-A947-70E740481C1C}">
-                <a14:useLocalDpi xmlns:a14="http://schemas.microsoft.com/office/drawing/2010/main" val="0"/>
-              </a:ext>
-            </a:extLst>
-          </a:blip>
-          <a:stretch>
-            <a:fillRect/>
-          </a:stretch>
-        </p:blipFill>
-        <p:spPr>
-          <a:xfrm>
-            <a:off x="10017508" y="4238388"/>
-            <a:ext cx="2078240" cy="2932432"/>
-          </a:xfrm>
-          <a:prstGeom prst="rect">
-            <a:avLst/>
-          </a:prstGeom>
-          <a:effectLst>
-            <a:outerShdw blurRad="63500" dist="342900" dir="19200000" sx="99000" sy="99000" algn="ctr" rotWithShape="0">
-              <a:srgbClr val="000000">
-                <a:alpha val="49000"/>
-              </a:srgbClr>
-            </a:outerShdw>
-          </a:effectLst>
-        </p:spPr>
-      </p:pic>
-      <p:sp>
-        <p:nvSpPr>
-          <p:cNvPr id="30" name="사각형: 둥근 모서리 29">
-            <a:extLst>
-              <a:ext uri="{FF2B5EF4-FFF2-40B4-BE49-F238E27FC236}">
-                <a16:creationId xmlns:a16="http://schemas.microsoft.com/office/drawing/2014/main" id="{7446FF7E-AC32-4595-8743-C7A9123EE18C}"/>
-              </a:ext>
-            </a:extLst>
-          </p:cNvPr>
-          <p:cNvSpPr/>
-          <p:nvPr/>
-        </p:nvSpPr>
-        <p:spPr>
-          <a:xfrm>
-            <a:off x="9134467" y="329360"/>
-            <a:ext cx="2021305" cy="1106905"/>
-          </a:xfrm>
-          <a:prstGeom prst="roundRect">
-            <a:avLst>
-              <a:gd name="adj" fmla="val 21015"/>
-            </a:avLst>
-          </a:prstGeom>
-          <a:solidFill>
-            <a:schemeClr val="accent4">
-              <a:lumMod val="60000"/>
-              <a:lumOff val="40000"/>
-              <a:alpha val="56000"/>
-            </a:schemeClr>
-          </a:solidFill>
-        </p:spPr>
-        <p:style>
-          <a:lnRef idx="2">
-            <a:schemeClr val="accent1">
-              <a:shade val="50000"/>
-            </a:schemeClr>
-          </a:lnRef>
-          <a:fillRef idx="1">
-            <a:schemeClr val="accent1"/>
-          </a:fillRef>
-          <a:effectRef idx="0">
-            <a:schemeClr val="accent1"/>
-          </a:effectRef>
-          <a:fontRef idx="minor">
-            <a:schemeClr val="lt1"/>
-          </a:fontRef>
-        </p:style>
-        <p:txBody>
-          <a:bodyPr rtlCol="0" anchor="ctr"/>
-          <a:lstStyle/>
-          <a:p>
-            <a:pPr algn="ctr"/>
-            <a:r>
-              <a:rPr lang="en-US" altLang="ko-KR" b="1" dirty="0" err="1">
-                <a:solidFill>
-                  <a:schemeClr val="tx1"/>
-                </a:solidFill>
-              </a:rPr>
-              <a:t>enemy.h</a:t>
-            </a:r>
-            <a:endParaRPr lang="ko-KR" altLang="en-US" b="1" dirty="0">
-              <a:solidFill>
-                <a:schemeClr val="tx1"/>
-              </a:solidFill>
-            </a:endParaRPr>
-          </a:p>
-        </p:txBody>
-      </p:sp>
-      <p:sp>
-        <p:nvSpPr>
-          <p:cNvPr id="31" name="사각형: 둥근 모서리 30">
-            <a:extLst>
-              <a:ext uri="{FF2B5EF4-FFF2-40B4-BE49-F238E27FC236}">
-                <a16:creationId xmlns:a16="http://schemas.microsoft.com/office/drawing/2014/main" id="{E9FCE1CE-8F77-41F8-AAE4-B81691C6E421}"/>
-              </a:ext>
-            </a:extLst>
-          </p:cNvPr>
-          <p:cNvSpPr/>
-          <p:nvPr/>
-        </p:nvSpPr>
-        <p:spPr>
-          <a:xfrm>
-            <a:off x="7113162" y="1889704"/>
-            <a:ext cx="2021305" cy="1106905"/>
-          </a:xfrm>
-          <a:prstGeom prst="roundRect">
-            <a:avLst>
-              <a:gd name="adj" fmla="val 21015"/>
-            </a:avLst>
-          </a:prstGeom>
-          <a:solidFill>
-            <a:schemeClr val="accent4">
-              <a:lumMod val="60000"/>
-              <a:lumOff val="40000"/>
-              <a:alpha val="56000"/>
-            </a:schemeClr>
-          </a:solidFill>
-        </p:spPr>
-        <p:style>
-          <a:lnRef idx="2">
-            <a:schemeClr val="accent1">
-              <a:shade val="50000"/>
-            </a:schemeClr>
-          </a:lnRef>
-          <a:fillRef idx="1">
-            <a:schemeClr val="accent1"/>
-          </a:fillRef>
-          <a:effectRef idx="0">
-            <a:schemeClr val="accent1"/>
-          </a:effectRef>
-          <a:fontRef idx="minor">
-            <a:schemeClr val="lt1"/>
-          </a:fontRef>
-        </p:style>
-        <p:txBody>
-          <a:bodyPr rtlCol="0" anchor="ctr"/>
-          <a:lstStyle/>
-          <a:p>
-            <a:pPr algn="ctr"/>
-            <a:r>
-              <a:rPr lang="en-US" altLang="ko-KR" b="1" dirty="0" err="1">
-                <a:solidFill>
-                  <a:schemeClr val="tx1"/>
-                </a:solidFill>
-              </a:rPr>
-              <a:t>prinny.h</a:t>
-            </a:r>
-            <a:endParaRPr lang="ko-KR" altLang="en-US" b="1" dirty="0">
-              <a:solidFill>
-                <a:schemeClr val="tx1"/>
-              </a:solidFill>
-            </a:endParaRPr>
-          </a:p>
-        </p:txBody>
-      </p:sp>
-      <p:sp>
-        <p:nvSpPr>
-          <p:cNvPr id="21" name="TextBox 20">
-            <a:extLst>
-              <a:ext uri="{FF2B5EF4-FFF2-40B4-BE49-F238E27FC236}">
-                <a16:creationId xmlns:a16="http://schemas.microsoft.com/office/drawing/2014/main" id="{D9F79DF3-D300-43DF-90CA-6BD4D4E12D82}"/>
-              </a:ext>
-            </a:extLst>
-          </p:cNvPr>
-          <p:cNvSpPr txBox="1"/>
-          <p:nvPr/>
-        </p:nvSpPr>
-        <p:spPr>
-          <a:xfrm>
-            <a:off x="1677804" y="701463"/>
-            <a:ext cx="4249835" cy="2677656"/>
-          </a:xfrm>
-          <a:prstGeom prst="rect">
-            <a:avLst/>
-          </a:prstGeom>
-          <a:noFill/>
-        </p:spPr>
-        <p:txBody>
-          <a:bodyPr wrap="square" rtlCol="0">
-            <a:spAutoFit/>
-          </a:bodyPr>
-          <a:lstStyle/>
-          <a:p>
-            <a:pPr marL="285750" indent="-285750">
-              <a:buFontTx/>
-              <a:buChar char="-"/>
-            </a:pPr>
-            <a:r>
-              <a:rPr lang="ko-KR" altLang="en-US" sz="2400" b="1" dirty="0">
-                <a:solidFill>
-                  <a:srgbClr val="00B0F0"/>
-                </a:solidFill>
-              </a:rPr>
-              <a:t>이미지 파일형식을 자유로이 선택</a:t>
-            </a:r>
-            <a:endParaRPr lang="en-US" altLang="ko-KR" sz="2400" b="1" dirty="0">
-              <a:solidFill>
-                <a:srgbClr val="00B0F0"/>
-              </a:solidFill>
-            </a:endParaRPr>
-          </a:p>
-          <a:p>
-            <a:pPr marL="285750" indent="-285750">
-              <a:buFontTx/>
-              <a:buChar char="-"/>
-            </a:pPr>
-            <a:endParaRPr lang="en-US" altLang="ko-KR" sz="2400" b="1" dirty="0">
-              <a:solidFill>
-                <a:srgbClr val="00B0F0"/>
-              </a:solidFill>
-            </a:endParaRPr>
-          </a:p>
-          <a:p>
-            <a:r>
-              <a:rPr lang="en-US" altLang="ko-KR" sz="2400" b="1" dirty="0">
-                <a:solidFill>
-                  <a:srgbClr val="00B0F0"/>
-                </a:solidFill>
-              </a:rPr>
-              <a:t>-   </a:t>
-            </a:r>
-            <a:r>
-              <a:rPr lang="ko-KR" altLang="en-US" sz="2400" b="1" dirty="0">
-                <a:solidFill>
-                  <a:srgbClr val="00B0F0"/>
-                </a:solidFill>
-              </a:rPr>
-              <a:t>이미지 변형 함수는 기존 </a:t>
-            </a:r>
-            <a:r>
-              <a:rPr lang="en-US" altLang="ko-KR" sz="2400" b="1" dirty="0">
-                <a:solidFill>
-                  <a:srgbClr val="00B0F0"/>
-                </a:solidFill>
-              </a:rPr>
-              <a:t>API</a:t>
-            </a:r>
-            <a:r>
-              <a:rPr lang="ko-KR" altLang="en-US" sz="2400" b="1" dirty="0">
-                <a:solidFill>
-                  <a:srgbClr val="00B0F0"/>
-                </a:solidFill>
-              </a:rPr>
-              <a:t>보다 생소하지만</a:t>
-            </a:r>
-            <a:endParaRPr lang="en-US" altLang="ko-KR" sz="2400" b="1" dirty="0">
-              <a:solidFill>
-                <a:srgbClr val="00B0F0"/>
-              </a:solidFill>
-            </a:endParaRPr>
-          </a:p>
-          <a:p>
-            <a:r>
-              <a:rPr lang="ko-KR" altLang="en-US" sz="2400" b="1" dirty="0">
-                <a:solidFill>
-                  <a:srgbClr val="00B0F0"/>
-                </a:solidFill>
-              </a:rPr>
-              <a:t>    변환 자체는 </a:t>
-            </a:r>
-            <a:r>
-              <a:rPr lang="en-US" altLang="ko-KR" sz="2400" b="1" dirty="0">
-                <a:solidFill>
-                  <a:srgbClr val="00B0F0"/>
-                </a:solidFill>
-              </a:rPr>
-              <a:t>API</a:t>
-            </a:r>
-            <a:r>
-              <a:rPr lang="ko-KR" altLang="en-US" sz="2400" b="1" dirty="0">
-                <a:solidFill>
-                  <a:srgbClr val="00B0F0"/>
-                </a:solidFill>
-              </a:rPr>
-              <a:t>보다 용이</a:t>
-            </a:r>
-            <a:r>
-              <a:rPr lang="en-US" altLang="ko-KR" sz="2400" b="1" dirty="0">
-                <a:solidFill>
-                  <a:srgbClr val="00B0F0"/>
-                </a:solidFill>
-              </a:rPr>
-              <a:t>			</a:t>
-            </a:r>
-          </a:p>
-        </p:txBody>
-      </p:sp>
-    </p:spTree>
-    <p:extLst>
-      <p:ext uri="{BB962C8B-B14F-4D97-AF65-F5344CB8AC3E}">
-        <p14:creationId xmlns:p14="http://schemas.microsoft.com/office/powerpoint/2010/main" val="2134024936"/>
       </p:ext>
     </p:extLst>
   </p:cSld>
@@ -11123,7 +9904,7 @@
         <p:spPr>
           <a:xfrm>
             <a:off x="1255471" y="862260"/>
-            <a:ext cx="5515261" cy="2308324"/>
+            <a:ext cx="5515261" cy="2677656"/>
           </a:xfrm>
           <a:prstGeom prst="rect">
             <a:avLst/>
@@ -11136,7 +9917,7 @@
           </a:bodyPr>
           <a:lstStyle/>
           <a:p>
-            <a:pPr marL="285750" indent="-285750">
+            <a:pPr marL="342900" indent="-342900">
               <a:buFontTx/>
               <a:buChar char="-"/>
             </a:pPr>
@@ -11146,16 +9927,35 @@
                   <a:srgbClr val="00B0F0"/>
                 </a:solidFill>
               </a:rPr>
-              <a:t>이미지 파일형식을 자유로이 선택</a:t>
-            </a:r>
-            <a:endParaRPr lang="en-US" altLang="ko-KR" sz="2400" b="1" dirty="0">
-              <a:solidFill>
-                <a:srgbClr val="00B0F0"/>
-              </a:solidFill>
-            </a:endParaRPr>
-          </a:p>
-          <a:p>
-            <a:pPr marL="285750" indent="-285750">
+              <a:t>타일 세팅에 필요한 변수를  넣은 헤더파일을 만들어서 </a:t>
+            </a:r>
+            <a:r>
+              <a:rPr lang="ko-KR" altLang="en-US" sz="2400" b="1" dirty="0" err="1">
+                <a:solidFill>
+                  <a:srgbClr val="00B0F0"/>
+                </a:solidFill>
+              </a:rPr>
+              <a:t>타일맵이</a:t>
+            </a:r>
+            <a:r>
+              <a:rPr lang="ko-KR" altLang="en-US" sz="2400" b="1" dirty="0">
+                <a:solidFill>
+                  <a:srgbClr val="00B0F0"/>
+                </a:solidFill>
+              </a:rPr>
+              <a:t> 필요한 클래스에 불러와서 사용</a:t>
+            </a:r>
+            <a:r>
+              <a:rPr lang="en-US" altLang="ko-KR" sz="2400" b="1" dirty="0">
+                <a:solidFill>
+                  <a:srgbClr val="00B0F0"/>
+                </a:solidFill>
+              </a:rPr>
+              <a:t>	</a:t>
+            </a:r>
+          </a:p>
+          <a:p>
+            <a:pPr marL="342900" indent="-342900">
               <a:buFontTx/>
               <a:buChar char="-"/>
             </a:pPr>
@@ -11166,13 +9966,25 @@
             </a:endParaRPr>
           </a:p>
           <a:p>
+            <a:pPr marL="342900" indent="-342900">
+              <a:buFontTx/>
+              <a:buChar char="-"/>
+            </a:pPr>
+            <a:r>
+              <a:rPr lang="ko-KR" altLang="en-US" sz="2400" b="1" dirty="0">
+                <a:solidFill>
+                  <a:srgbClr val="00B0F0"/>
+                </a:solidFill>
+              </a:rPr>
+              <a:t>타일의 </a:t>
+            </a:r>
             <a:r>
               <a:rPr lang="en-US" altLang="ko-KR" sz="2400" b="1" dirty="0">
                 <a:solidFill>
                   <a:srgbClr val="00B0F0"/>
                 </a:solidFill>
               </a:rPr>
-              <a:t>-   </a:t>
+              <a:t>x, y, z</a:t>
             </a:r>
             <a:r>
               <a:rPr lang="ko-KR" altLang="en-US" sz="2400" b="1" dirty="0">
@@ -11180,7 +9992,7 @@
                   <a:srgbClr val="00B0F0"/>
                 </a:solidFill>
               </a:rPr>
-              <a:t>이미지 변형 함수는 기존 </a:t>
+              <a:t>의 개수를 담은 배열을 만들어 가로</a:t>
             </a:r>
             <a:r>
               <a:rPr lang="en-US" altLang="ko-KR" sz="2400" b="1" dirty="0">
@@ -11188,7 +10000,7 @@
                   <a:srgbClr val="00B0F0"/>
                 </a:solidFill>
               </a:rPr>
-              <a:t>API</a:t>
+              <a:t>, </a:t>
             </a:r>
             <a:r>
               <a:rPr lang="ko-KR" altLang="en-US" sz="2400" b="1" dirty="0">
@@ -11196,22 +10008,23 @@
                   <a:srgbClr val="00B0F0"/>
                 </a:solidFill>
               </a:rPr>
-              <a:t>보다 생소하지만</a:t>
-            </a:r>
-            <a:endParaRPr lang="en-US" altLang="ko-KR" sz="2400" b="1" dirty="0">
-              <a:solidFill>
-                <a:srgbClr val="00B0F0"/>
-              </a:solidFill>
-            </a:endParaRPr>
-          </a:p>
-          <a:p>
+              <a:t>세로</a:t>
+            </a:r>
+            <a:r>
+              <a:rPr lang="en-US" altLang="ko-KR" sz="2400" b="1" dirty="0">
+                <a:solidFill>
+                  <a:srgbClr val="00B0F0"/>
+                </a:solidFill>
+              </a:rPr>
+              <a:t>, </a:t>
+            </a:r>
             <a:r>
               <a:rPr lang="ko-KR" altLang="en-US" sz="2400" b="1" dirty="0">
                 <a:solidFill>
                   <a:srgbClr val="00B0F0"/>
                 </a:solidFill>
               </a:rPr>
-              <a:t>    변환 자체는 </a:t>
+              <a:t>높이를 구현</a:t>
             </a:r>
             <a:r>
               <a:rPr lang="en-US" altLang="ko-KR" sz="2400" b="1" dirty="0">
@@ -11219,23 +10032,7 @@
                   <a:srgbClr val="00B0F0"/>
                 </a:solidFill>
               </a:rPr>
-              <a:t>API</a:t>
-            </a:r>
-            <a:r>
-              <a:rPr lang="ko-KR" altLang="en-US" sz="2400" b="1" dirty="0">
-                <a:solidFill>
-                  <a:srgbClr val="00B0F0"/>
-                </a:solidFill>
-              </a:rPr>
-              <a:t>보다 용이</a:t>
-            </a:r>
-            <a:r>
-              <a:rPr lang="en-US" altLang="ko-KR" sz="2400" b="1" dirty="0">
-                <a:solidFill>
-                  <a:srgbClr val="00B0F0"/>
-                </a:solidFill>
-              </a:rPr>
-              <a:t>			</a:t>
+              <a:t>		</a:t>
             </a:r>
           </a:p>
         </p:txBody>
@@ -11596,7 +10393,7 @@
         </p:nvSpPr>
         <p:spPr>
           <a:xfrm>
-            <a:off x="0" y="3513"/>
+            <a:off x="0" y="-3513"/>
             <a:ext cx="12192000" cy="6858000"/>
           </a:xfrm>
           <a:prstGeom prst="rect">
@@ -11796,8 +10593,8 @@
         </p:nvSpPr>
         <p:spPr>
           <a:xfrm>
-            <a:off x="278548" y="671107"/>
-            <a:ext cx="4249835" cy="2677656"/>
+            <a:off x="289216" y="645470"/>
+            <a:ext cx="4249835" cy="3416320"/>
           </a:xfrm>
           <a:prstGeom prst="rect">
             <a:avLst/>
@@ -11810,7 +10607,7 @@
           </a:bodyPr>
           <a:lstStyle/>
           <a:p>
-            <a:pPr marL="285750" indent="-285750">
+            <a:pPr marL="342900" indent="-342900">
               <a:buFontTx/>
               <a:buChar char="-"/>
             </a:pPr>
@@ -11820,7 +10617,23 @@
                   <a:srgbClr val="00B0F0"/>
                 </a:solidFill>
               </a:rPr>
-              <a:t>이미지 파일형식을 자유로이 선택</a:t>
+              <a:t>타일의 최대 크기를 정한 뒤</a:t>
+            </a:r>
+            <a:r>
+              <a:rPr lang="en-US" altLang="ko-KR" sz="2400" b="1" dirty="0">
+                <a:solidFill>
+                  <a:srgbClr val="00B0F0"/>
+                </a:solidFill>
+              </a:rPr>
+              <a:t>, </a:t>
+            </a:r>
+            <a:r>
+              <a:rPr lang="ko-KR" altLang="en-US" sz="2400" b="1" dirty="0">
+                <a:solidFill>
+                  <a:srgbClr val="00B0F0"/>
+                </a:solidFill>
+              </a:rPr>
+              <a:t>샘플을 등록하고 그리고 싶은 샘플의 인덱스를 저장한 뒤 원하는 위치의 타일에 배치</a:t>
             </a:r>
             <a:endParaRPr lang="en-US" altLang="ko-KR" sz="2400" b="1" dirty="0">
               <a:solidFill>
@@ -11829,7 +10642,7 @@
             </a:endParaRPr>
           </a:p>
           <a:p>
-            <a:pPr marL="285750" indent="-285750">
+            <a:pPr marL="342900" indent="-342900">
               <a:buFontTx/>
               <a:buChar char="-"/>
             </a:pPr>
@@ -11840,13 +10653,25 @@
             </a:endParaRPr>
           </a:p>
           <a:p>
+            <a:pPr marL="342900" indent="-342900">
+              <a:buFontTx/>
+              <a:buChar char="-"/>
+            </a:pPr>
+            <a:r>
+              <a:rPr lang="ko-KR" altLang="en-US" sz="2400" b="1" dirty="0">
+                <a:solidFill>
+                  <a:srgbClr val="00B0F0"/>
+                </a:solidFill>
+              </a:rPr>
+              <a:t>지형과 구조물</a:t>
+            </a:r>
             <a:r>
               <a:rPr lang="en-US" altLang="ko-KR" sz="2400" b="1" dirty="0">
                 <a:solidFill>
                   <a:srgbClr val="00B0F0"/>
                 </a:solidFill>
               </a:rPr>
-              <a:t>-   </a:t>
+              <a:t>, </a:t>
             </a:r>
             <a:r>
               <a:rPr lang="ko-KR" altLang="en-US" sz="2400" b="1" dirty="0">
@@ -11854,7 +10679,39 @@
                   <a:srgbClr val="00B0F0"/>
                 </a:solidFill>
               </a:rPr>
-              <a:t>이미지 변형 함수는 기존 </a:t>
+              <a:t>쌓인 타일의 </a:t>
+            </a:r>
+            <a:r>
+              <a:rPr lang="ko-KR" altLang="en-US" sz="2400" b="1" dirty="0" err="1">
+                <a:solidFill>
+                  <a:srgbClr val="00B0F0"/>
+                </a:solidFill>
+              </a:rPr>
+              <a:t>렌더</a:t>
+            </a:r>
+            <a:r>
+              <a:rPr lang="ko-KR" altLang="en-US" sz="2400" b="1" dirty="0">
+                <a:solidFill>
+                  <a:srgbClr val="00B0F0"/>
+                </a:solidFill>
+              </a:rPr>
+              <a:t> 순서를 한곳에 </a:t>
+            </a:r>
+            <a:r>
+              <a:rPr lang="ko-KR" altLang="en-US" sz="2400" b="1" dirty="0" err="1">
+                <a:solidFill>
+                  <a:srgbClr val="00B0F0"/>
+                </a:solidFill>
+              </a:rPr>
+              <a:t>모와서</a:t>
+            </a:r>
+            <a:r>
+              <a:rPr lang="ko-KR" altLang="en-US" sz="2400" b="1" dirty="0">
+                <a:solidFill>
+                  <a:srgbClr val="00B0F0"/>
+                </a:solidFill>
+              </a:rPr>
+              <a:t> 정리</a:t>
             </a:r>
             <a:r>
               <a:rPr lang="en-US" altLang="ko-KR" sz="2400" b="1" dirty="0">
@@ -11862,54 +10719,7 @@
                   <a:srgbClr val="00B0F0"/>
                 </a:solidFill>
               </a:rPr>
-              <a:t>API</a:t>
-            </a:r>
-            <a:r>
-              <a:rPr lang="ko-KR" altLang="en-US" sz="2400" b="1" dirty="0">
-                <a:solidFill>
-                  <a:srgbClr val="00B0F0"/>
-                </a:solidFill>
-              </a:rPr>
-              <a:t>보다 생소하지만</a:t>
-            </a:r>
-            <a:endParaRPr lang="en-US" altLang="ko-KR" sz="2400" b="1" dirty="0">
-              <a:solidFill>
-                <a:srgbClr val="00B0F0"/>
-              </a:solidFill>
-            </a:endParaRPr>
-          </a:p>
-          <a:p>
-            <a:r>
-              <a:rPr lang="ko-KR" altLang="en-US" sz="2400" b="1" dirty="0">
-                <a:solidFill>
-                  <a:srgbClr val="00B0F0"/>
-                </a:solidFill>
-              </a:rPr>
-              <a:t>    변환 자체는 </a:t>
-            </a:r>
-            <a:r>
-              <a:rPr lang="en-US" altLang="ko-KR" sz="2400" b="1" dirty="0">
-                <a:solidFill>
-                  <a:srgbClr val="00B0F0"/>
-                </a:solidFill>
-              </a:rPr>
-              <a:t>API</a:t>
-            </a:r>
-            <a:r>
-              <a:rPr lang="ko-KR" altLang="en-US" sz="2400" b="1" dirty="0">
-                <a:solidFill>
-                  <a:srgbClr val="00B0F0"/>
-                </a:solidFill>
-              </a:rPr>
-              <a:t>보다 용이</a:t>
-            </a:r>
-            <a:r>
-              <a:rPr lang="en-US" altLang="ko-KR" sz="2400" b="1" dirty="0">
-                <a:solidFill>
-                  <a:srgbClr val="00B0F0"/>
-                </a:solidFill>
-              </a:rPr>
-              <a:t>			</a:t>
+              <a:t>		</a:t>
             </a:r>
           </a:p>
         </p:txBody>
@@ -12717,7 +11527,7 @@
         <p:spPr>
           <a:xfrm>
             <a:off x="278548" y="671107"/>
-            <a:ext cx="4249835" cy="2677656"/>
+            <a:ext cx="5660779" cy="3046988"/>
           </a:xfrm>
           <a:prstGeom prst="rect">
             <a:avLst/>
@@ -12740,7 +11550,23 @@
                   <a:srgbClr val="00B0F0"/>
                 </a:solidFill>
               </a:rPr>
-              <a:t>이미지 파일형식을 자유로이 선택</a:t>
+              <a:t>아이템과 캐릭터의 속성의 접근성을 용이하게 하기 위해 </a:t>
+            </a:r>
+            <a:r>
+              <a:rPr lang="ko-KR" altLang="en-US" sz="2400" b="1" dirty="0" err="1">
+                <a:solidFill>
+                  <a:srgbClr val="00B0F0"/>
+                </a:solidFill>
+              </a:rPr>
+              <a:t>싱글톤을</a:t>
+            </a:r>
+            <a:r>
+              <a:rPr lang="ko-KR" altLang="en-US" sz="2400" b="1" dirty="0">
+                <a:solidFill>
+                  <a:srgbClr val="00B0F0"/>
+                </a:solidFill>
+              </a:rPr>
+              <a:t> 사용</a:t>
             </a:r>
             <a:endParaRPr lang="en-US" altLang="ko-KR" sz="2400" b="1" dirty="0">
               <a:solidFill>
@@ -12760,37 +11586,17 @@
             </a:endParaRPr>
           </a:p>
           <a:p>
-            <a:r>
-              <a:rPr lang="en-US" altLang="ko-KR" sz="2400" b="1" dirty="0">
+            <a:pPr marL="285750" indent="-285750">
+              <a:buFontTx/>
+              <a:buChar char="-"/>
+            </a:pPr>
+            <a:r>
+              <a:rPr lang="ko-KR" altLang="en-US" sz="2400" b="1" dirty="0">
                 <a:solidFill>
                   <a:srgbClr val="00B0F0"/>
                 </a:solidFill>
               </a:rPr>
-              <a:t>-   </a:t>
-            </a:r>
-            <a:r>
-              <a:rPr lang="ko-KR" altLang="en-US" sz="2400" b="1" dirty="0">
-                <a:solidFill>
-                  <a:srgbClr val="00B0F0"/>
-                </a:solidFill>
-              </a:rPr>
-              <a:t>이미지 변형 함수는 기존 </a:t>
-            </a:r>
-            <a:r>
-              <a:rPr lang="en-US" altLang="ko-KR" sz="2400" b="1" dirty="0">
-                <a:solidFill>
-                  <a:srgbClr val="00B0F0"/>
-                </a:solidFill>
-              </a:rPr>
-              <a:t>API</a:t>
-            </a:r>
-            <a:r>
-              <a:rPr lang="ko-KR" altLang="en-US" sz="2400" b="1" dirty="0">
-                <a:solidFill>
-                  <a:srgbClr val="00B0F0"/>
-                </a:solidFill>
-              </a:rPr>
-              <a:t>보다 생소하지만</a:t>
+              <a:t>아이템의 전반적인 라이브러리는 벡터로 구성</a:t>
             </a:r>
             <a:endParaRPr lang="en-US" altLang="ko-KR" sz="2400" b="1" dirty="0">
               <a:solidFill>
@@ -12799,13 +11605,28 @@
             </a:endParaRPr>
           </a:p>
           <a:p>
+            <a:pPr marL="285750" indent="-285750">
+              <a:buFontTx/>
+              <a:buChar char="-"/>
+            </a:pPr>
+            <a:endParaRPr lang="en-US" altLang="ko-KR" sz="2400" b="1" dirty="0">
+              <a:solidFill>
+                <a:srgbClr val="00B0F0"/>
+              </a:solidFill>
+            </a:endParaRPr>
+          </a:p>
+          <a:p>
+            <a:pPr marL="285750" indent="-285750">
+              <a:buFontTx/>
+              <a:buChar char="-"/>
+            </a:pPr>
             <a:r>
               <a:rPr lang="ko-KR" altLang="en-US" sz="2400" b="1" dirty="0">
                 <a:solidFill>
                   <a:srgbClr val="00B0F0"/>
                 </a:solidFill>
               </a:rPr>
-              <a:t>    변환 자체는 </a:t>
+              <a:t>아이템의 구입 또는 판매</a:t>
             </a:r>
             <a:r>
               <a:rPr lang="en-US" altLang="ko-KR" sz="2400" b="1" dirty="0">
@@ -12813,7 +11634,7 @@
                   <a:srgbClr val="00B0F0"/>
                 </a:solidFill>
               </a:rPr>
-              <a:t>API</a:t>
+              <a:t>, </a:t>
             </a:r>
             <a:r>
               <a:rPr lang="ko-KR" altLang="en-US" sz="2400" b="1" dirty="0">
@@ -12821,7 +11642,7 @@
                   <a:srgbClr val="00B0F0"/>
                 </a:solidFill>
               </a:rPr>
-              <a:t>보다 용이</a:t>
+              <a:t>사용 시 실시간으로 재배치가 이루어짐</a:t>
             </a:r>
             <a:r>
               <a:rPr lang="en-US" altLang="ko-KR" sz="2400" b="1" dirty="0">
@@ -12829,7 +11650,7 @@
                   <a:srgbClr val="00B0F0"/>
                 </a:solidFill>
               </a:rPr>
-              <a:t>			</a:t>
+              <a:t>	</a:t>
             </a:r>
           </a:p>
         </p:txBody>
